--- a/Docker - 01 - Basic.pptx
+++ b/Docker - 01 - Basic.pptx
@@ -13984,7 +13984,7 @@
       </p:sp>
       <p:pic>
         <p:nvPicPr>
-          <p:cNvPr id="1" name="Picture 0"/>
+          <p:cNvPr id="2" name="Picture 1"/>
           <p:cNvPicPr>
             <a:picLocks noChangeAspect="1"/>
           </p:cNvPicPr>
